--- a/PPT/PPT_Sprint1.pptx
+++ b/PPT/PPT_Sprint1.pptx
@@ -113,6 +113,11 @@
       </a:defRPr>
     </a:lvl9pPr>
   </p:defaultTextStyle>
+  <p:extLst>
+    <p:ext uri="{EFAFB233-063F-42B5-8137-9DF3F51BA10A}">
+      <p15:sldGuideLst xmlns:p15="http://schemas.microsoft.com/office/powerpoint/2012/main"/>
+    </p:ext>
+  </p:extLst>
 </p:presentation>
 </file>
 
@@ -198,7 +203,7 @@
           <a:p>
             <a:fld id="{63FB5C88-4312-3E4D-A708-70DE45626A02}" type="datetimeFigureOut">
               <a:rPr lang="en-AR" smtClean="0"/>
-              <a:t>14/12/2023</a:t>
+              <a:t>15/12/2023</a:t>
             </a:fld>
             <a:endParaRPr lang="en-AR"/>
           </a:p>
@@ -816,7 +821,7 @@
           <a:effectLst/>
           <a:extLst>
             <a:ext uri="{91240B29-F687-4f45-9708-019B960494DF}">
-              <a14:hiddenLine xmlns:a14="http://schemas.microsoft.com/office/drawing/2010/main" xmlns="" w="9525">
+              <a14:hiddenLine xmlns="" xmlns:a14="http://schemas.microsoft.com/office/drawing/2010/main" w="9525">
                 <a:solidFill>
                   <a:srgbClr val="000000"/>
                 </a:solidFill>
@@ -1008,7 +1013,7 @@
           <a:p>
             <a:fld id="{472A6F22-A018-4C46-9D68-270F9C70830B}" type="datetimeFigureOut">
               <a:rPr lang="en-AR" smtClean="0"/>
-              <a:t>14/12/2023</a:t>
+              <a:t>15/12/2023</a:t>
             </a:fld>
             <a:endParaRPr lang="en-AR"/>
           </a:p>
@@ -1326,7 +1331,7 @@
           <a:p>
             <a:fld id="{472A6F22-A018-4C46-9D68-270F9C70830B}" type="datetimeFigureOut">
               <a:rPr lang="en-AR" smtClean="0"/>
-              <a:t>14/12/2023</a:t>
+              <a:t>15/12/2023</a:t>
             </a:fld>
             <a:endParaRPr lang="en-AR"/>
           </a:p>
@@ -1814,7 +1819,7 @@
           <a:p>
             <a:fld id="{472A6F22-A018-4C46-9D68-270F9C70830B}" type="datetimeFigureOut">
               <a:rPr lang="en-AR" smtClean="0"/>
-              <a:t>14/12/2023</a:t>
+              <a:t>15/12/2023</a:t>
             </a:fld>
             <a:endParaRPr lang="en-AR"/>
           </a:p>
@@ -2183,7 +2188,7 @@
           <a:p>
             <a:fld id="{472A6F22-A018-4C46-9D68-270F9C70830B}" type="datetimeFigureOut">
               <a:rPr lang="en-AR" smtClean="0"/>
-              <a:t>14/12/2023</a:t>
+              <a:t>15/12/2023</a:t>
             </a:fld>
             <a:endParaRPr lang="en-AR"/>
           </a:p>
@@ -2338,7 +2343,7 @@
           <a:ln/>
           <a:extLst>
             <a:ext uri="{91240B29-F687-4f45-9708-019B960494DF}">
-              <a14:hiddenLine xmlns:a14="http://schemas.microsoft.com/office/drawing/2010/main" xmlns="" w="9525">
+              <a14:hiddenLine xmlns="" xmlns:a14="http://schemas.microsoft.com/office/drawing/2010/main" w="9525">
                 <a:solidFill>
                   <a:srgbClr val="000000"/>
                 </a:solidFill>
@@ -2456,7 +2461,7 @@
           <a:p>
             <a:fld id="{472A6F22-A018-4C46-9D68-270F9C70830B}" type="datetimeFigureOut">
               <a:rPr lang="en-AR" smtClean="0"/>
-              <a:t>14/12/2023</a:t>
+              <a:t>15/12/2023</a:t>
             </a:fld>
             <a:endParaRPr lang="en-AR"/>
           </a:p>
@@ -2613,7 +2618,7 @@
           <a:ln/>
           <a:extLst>
             <a:ext uri="{91240B29-F687-4f45-9708-019B960494DF}">
-              <a14:hiddenLine xmlns:a14="http://schemas.microsoft.com/office/drawing/2010/main" xmlns="" w="9525">
+              <a14:hiddenLine xmlns="" xmlns:a14="http://schemas.microsoft.com/office/drawing/2010/main" w="9525">
                 <a:solidFill>
                   <a:srgbClr val="000000"/>
                 </a:solidFill>
@@ -2741,7 +2746,7 @@
           <a:p>
             <a:fld id="{472A6F22-A018-4C46-9D68-270F9C70830B}" type="datetimeFigureOut">
               <a:rPr lang="en-AR" smtClean="0"/>
-              <a:t>14/12/2023</a:t>
+              <a:t>15/12/2023</a:t>
             </a:fld>
             <a:endParaRPr lang="en-AR"/>
           </a:p>
@@ -2896,7 +2901,7 @@
           <a:ln/>
           <a:extLst>
             <a:ext uri="{91240B29-F687-4f45-9708-019B960494DF}">
-              <a14:hiddenLine xmlns:a14="http://schemas.microsoft.com/office/drawing/2010/main" xmlns="" w="9525">
+              <a14:hiddenLine xmlns="" xmlns:a14="http://schemas.microsoft.com/office/drawing/2010/main" w="9525">
                 <a:solidFill>
                   <a:srgbClr val="000000"/>
                 </a:solidFill>
@@ -3024,7 +3029,7 @@
           <a:p>
             <a:fld id="{472A6F22-A018-4C46-9D68-270F9C70830B}" type="datetimeFigureOut">
               <a:rPr lang="en-AR" smtClean="0"/>
-              <a:t>14/12/2023</a:t>
+              <a:t>15/12/2023</a:t>
             </a:fld>
             <a:endParaRPr lang="en-AR"/>
           </a:p>
@@ -3367,7 +3372,7 @@
           <a:p>
             <a:fld id="{472A6F22-A018-4C46-9D68-270F9C70830B}" type="datetimeFigureOut">
               <a:rPr lang="en-AR" smtClean="0"/>
-              <a:t>14/12/2023</a:t>
+              <a:t>15/12/2023</a:t>
             </a:fld>
             <a:endParaRPr lang="en-AR"/>
           </a:p>
@@ -3522,7 +3527,7 @@
           <a:ln/>
           <a:extLst>
             <a:ext uri="{91240B29-F687-4f45-9708-019B960494DF}">
-              <a14:hiddenLine xmlns:a14="http://schemas.microsoft.com/office/drawing/2010/main" xmlns="" w="9525">
+              <a14:hiddenLine xmlns="" xmlns:a14="http://schemas.microsoft.com/office/drawing/2010/main" w="9525">
                 <a:solidFill>
                   <a:srgbClr val="000000"/>
                 </a:solidFill>
@@ -3706,7 +3711,7 @@
           <a:p>
             <a:fld id="{472A6F22-A018-4C46-9D68-270F9C70830B}" type="datetimeFigureOut">
               <a:rPr lang="en-AR" smtClean="0"/>
-              <a:t>14/12/2023</a:t>
+              <a:t>15/12/2023</a:t>
             </a:fld>
             <a:endParaRPr lang="en-AR"/>
           </a:p>
@@ -3861,7 +3866,7 @@
           <a:ln/>
           <a:extLst>
             <a:ext uri="{91240B29-F687-4f45-9708-019B960494DF}">
-              <a14:hiddenLine xmlns:a14="http://schemas.microsoft.com/office/drawing/2010/main" xmlns="" w="9525">
+              <a14:hiddenLine xmlns="" xmlns:a14="http://schemas.microsoft.com/office/drawing/2010/main" w="9525">
                 <a:solidFill>
                   <a:srgbClr val="000000"/>
                 </a:solidFill>
@@ -4183,7 +4188,7 @@
           <a:p>
             <a:fld id="{472A6F22-A018-4C46-9D68-270F9C70830B}" type="datetimeFigureOut">
               <a:rPr lang="en-AR" smtClean="0"/>
-              <a:t>14/12/2023</a:t>
+              <a:t>15/12/2023</a:t>
             </a:fld>
             <a:endParaRPr lang="en-AR"/>
           </a:p>
@@ -4338,7 +4343,7 @@
           <a:ln/>
           <a:extLst>
             <a:ext uri="{91240B29-F687-4f45-9708-019B960494DF}">
-              <a14:hiddenLine xmlns:a14="http://schemas.microsoft.com/office/drawing/2010/main" xmlns="" w="9525">
+              <a14:hiddenLine xmlns="" xmlns:a14="http://schemas.microsoft.com/office/drawing/2010/main" w="9525">
                 <a:solidFill>
                   <a:srgbClr val="000000"/>
                 </a:solidFill>
@@ -4404,7 +4409,7 @@
           <a:p>
             <a:fld id="{472A6F22-A018-4C46-9D68-270F9C70830B}" type="datetimeFigureOut">
               <a:rPr lang="en-AR" smtClean="0"/>
-              <a:t>14/12/2023</a:t>
+              <a:t>15/12/2023</a:t>
             </a:fld>
             <a:endParaRPr lang="en-AR"/>
           </a:p>
@@ -4499,7 +4504,7 @@
           <a:p>
             <a:fld id="{472A6F22-A018-4C46-9D68-270F9C70830B}" type="datetimeFigureOut">
               <a:rPr lang="en-AR" smtClean="0"/>
-              <a:t>14/12/2023</a:t>
+              <a:t>15/12/2023</a:t>
             </a:fld>
             <a:endParaRPr lang="en-AR"/>
           </a:p>
@@ -4767,7 +4772,7 @@
           <a:ln/>
           <a:extLst>
             <a:ext uri="{91240B29-F687-4f45-9708-019B960494DF}">
-              <a14:hiddenLine xmlns:a14="http://schemas.microsoft.com/office/drawing/2010/main" xmlns="" w="9525">
+              <a14:hiddenLine xmlns="" xmlns:a14="http://schemas.microsoft.com/office/drawing/2010/main" w="9525">
                 <a:solidFill>
                   <a:srgbClr val="000000"/>
                 </a:solidFill>
@@ -4966,7 +4971,7 @@
           <a:p>
             <a:fld id="{472A6F22-A018-4C46-9D68-270F9C70830B}" type="datetimeFigureOut">
               <a:rPr lang="en-AR" smtClean="0"/>
-              <a:t>14/12/2023</a:t>
+              <a:t>15/12/2023</a:t>
             </a:fld>
             <a:endParaRPr lang="en-AR"/>
           </a:p>
@@ -5279,7 +5284,7 @@
           <a:p>
             <a:fld id="{472A6F22-A018-4C46-9D68-270F9C70830B}" type="datetimeFigureOut">
               <a:rPr lang="en-AR" smtClean="0"/>
-              <a:t>14/12/2023</a:t>
+              <a:t>15/12/2023</a:t>
             </a:fld>
             <a:endParaRPr lang="en-AR"/>
           </a:p>
@@ -5549,7 +5554,7 @@
           <a:p>
             <a:fld id="{472A6F22-A018-4C46-9D68-270F9C70830B}" type="datetimeFigureOut">
               <a:rPr lang="en-AR" smtClean="0"/>
-              <a:t>14/12/2023</a:t>
+              <a:t>15/12/2023</a:t>
             </a:fld>
             <a:endParaRPr lang="en-AR"/>
           </a:p>
@@ -12304,7 +12309,7 @@
         <p:spPr>
           <a:xfrm>
             <a:off x="312144" y="2290844"/>
-            <a:ext cx="7264313" cy="3293209"/>
+            <a:ext cx="7264313" cy="3508653"/>
           </a:xfrm>
           <a:prstGeom prst="rect">
             <a:avLst/>
@@ -12974,108 +12979,6 @@
               <a:spcAft>
                 <a:spcPts val="0"/>
               </a:spcAft>
-            </a:pPr>
-            <a:r>
-              <a:rPr lang="en-AR" sz="1400" b="0" i="0" u="none" strike="noStrike" dirty="0">
-                <a:solidFill>
-                  <a:srgbClr val="E6EDF3"/>
-                </a:solidFill>
-                <a:effectLst/>
-              </a:rPr>
-              <a:t>🎯 </a:t>
-            </a:r>
-            <a:r>
-              <a:rPr lang="en-US" sz="1400" b="0" i="0" u="none" strike="noStrike" dirty="0">
-                <a:solidFill>
-                  <a:srgbClr val="E6EDF3"/>
-                </a:solidFill>
-                <a:effectLst/>
-              </a:rPr>
-              <a:t>El </a:t>
-            </a:r>
-            <a:r>
-              <a:rPr lang="en-US" sz="1400" b="0" i="0" u="none" strike="noStrike" dirty="0" err="1">
-                <a:solidFill>
-                  <a:srgbClr val="E6EDF3"/>
-                </a:solidFill>
-                <a:effectLst/>
-              </a:rPr>
-              <a:t>promedio</a:t>
-            </a:r>
-            <a:r>
-              <a:rPr lang="en-US" sz="1400" b="0" i="0" u="none" strike="noStrike" dirty="0">
-                <a:solidFill>
-                  <a:srgbClr val="E6EDF3"/>
-                </a:solidFill>
-                <a:effectLst/>
-              </a:rPr>
-              <a:t> de la </a:t>
-            </a:r>
-            <a:r>
-              <a:rPr lang="en-US" sz="1400" b="0" i="0" u="none" strike="noStrike" dirty="0" err="1">
-                <a:solidFill>
-                  <a:srgbClr val="E6EDF3"/>
-                </a:solidFill>
-                <a:effectLst/>
-              </a:rPr>
-              <a:t>autonomía</a:t>
-            </a:r>
-            <a:r>
-              <a:rPr lang="en-US" sz="1400" b="0" i="0" u="none" strike="noStrike" dirty="0">
-                <a:solidFill>
-                  <a:srgbClr val="E6EDF3"/>
-                </a:solidFill>
-                <a:effectLst/>
-              </a:rPr>
-              <a:t> de </a:t>
-            </a:r>
-            <a:r>
-              <a:rPr lang="en-US" sz="1400" b="0" i="0" u="none" strike="noStrike" dirty="0" err="1">
-                <a:solidFill>
-                  <a:srgbClr val="E6EDF3"/>
-                </a:solidFill>
-                <a:effectLst/>
-              </a:rPr>
-              <a:t>los</a:t>
-            </a:r>
-            <a:r>
-              <a:rPr lang="en-US" sz="1400" b="0" i="0" u="none" strike="noStrike" dirty="0">
-                <a:solidFill>
-                  <a:srgbClr val="E6EDF3"/>
-                </a:solidFill>
-                <a:effectLst/>
-              </a:rPr>
-              <a:t> </a:t>
-            </a:r>
-            <a:r>
-              <a:rPr lang="en-US" sz="1400" b="0" i="0" u="none" strike="noStrike" dirty="0" err="1">
-                <a:solidFill>
-                  <a:srgbClr val="E6EDF3"/>
-                </a:solidFill>
-                <a:effectLst/>
-              </a:rPr>
-              <a:t>vehículos</a:t>
-            </a:r>
-            <a:r>
-              <a:rPr lang="en-US" sz="1400" b="0" i="0" u="none" strike="noStrike" dirty="0">
-                <a:solidFill>
-                  <a:srgbClr val="E6EDF3"/>
-                </a:solidFill>
-                <a:effectLst/>
-              </a:rPr>
-              <a:t> sea &gt; 300km</a:t>
-            </a:r>
-          </a:p>
-          <a:p>
-            <a:pPr rtl="0" fontAlgn="base">
-              <a:spcBef>
-                <a:spcPts val="0"/>
-              </a:spcBef>
-              <a:spcAft>
-                <a:spcPts val="0"/>
-              </a:spcAft>
-              <a:buFont typeface="Arial" panose="020B0604020202020204" pitchFamily="34" charset="0"/>
-              <a:buChar char="•"/>
             </a:pPr>
             <a:br>
               <a:rPr lang="en-US" sz="1400" b="0" dirty="0">
@@ -13269,6 +13172,115 @@
               </a:rPr>
               <a:t>anualmente</a:t>
             </a:r>
+            <a:endParaRPr lang="en-US" sz="1400" b="0" i="0" u="none" strike="noStrike" dirty="0">
+              <a:solidFill>
+                <a:srgbClr val="E6EDF3"/>
+              </a:solidFill>
+              <a:effectLst/>
+            </a:endParaRPr>
+          </a:p>
+          <a:p>
+            <a:pPr fontAlgn="base"/>
+            <a:r>
+              <a:rPr lang="en-AR" sz="1400" b="0" i="0" u="none" strike="noStrike" dirty="0">
+                <a:solidFill>
+                  <a:srgbClr val="E6EDF3"/>
+                </a:solidFill>
+                <a:effectLst/>
+              </a:rPr>
+              <a:t>🎯 </a:t>
+            </a:r>
+            <a:r>
+              <a:rPr lang="en-US" sz="1400" b="0" i="0" u="none" strike="noStrike" dirty="0">
+                <a:solidFill>
+                  <a:srgbClr val="E6EDF3"/>
+                </a:solidFill>
+                <a:effectLst/>
+              </a:rPr>
+              <a:t>El </a:t>
+            </a:r>
+            <a:r>
+              <a:rPr lang="en-US" sz="1400" b="0" i="0" u="none" strike="noStrike" dirty="0" err="1">
+                <a:solidFill>
+                  <a:srgbClr val="E6EDF3"/>
+                </a:solidFill>
+                <a:effectLst/>
+              </a:rPr>
+              <a:t>promedio</a:t>
+            </a:r>
+            <a:r>
+              <a:rPr lang="en-US" sz="1400" b="0" i="0" u="none" strike="noStrike" dirty="0">
+                <a:solidFill>
+                  <a:srgbClr val="E6EDF3"/>
+                </a:solidFill>
+                <a:effectLst/>
+              </a:rPr>
+              <a:t> de la </a:t>
+            </a:r>
+            <a:r>
+              <a:rPr lang="en-US" sz="1400" b="0" i="0" u="none" strike="noStrike" dirty="0" err="1">
+                <a:solidFill>
+                  <a:srgbClr val="E6EDF3"/>
+                </a:solidFill>
+                <a:effectLst/>
+              </a:rPr>
+              <a:t>autonomía</a:t>
+            </a:r>
+            <a:r>
+              <a:rPr lang="en-US" sz="1400" b="0" i="0" u="none" strike="noStrike" dirty="0">
+                <a:solidFill>
+                  <a:srgbClr val="E6EDF3"/>
+                </a:solidFill>
+                <a:effectLst/>
+              </a:rPr>
+              <a:t> de </a:t>
+            </a:r>
+            <a:r>
+              <a:rPr lang="en-US" sz="1400" b="0" i="0" u="none" strike="noStrike" dirty="0" err="1">
+                <a:solidFill>
+                  <a:srgbClr val="E6EDF3"/>
+                </a:solidFill>
+                <a:effectLst/>
+              </a:rPr>
+              <a:t>los</a:t>
+            </a:r>
+            <a:r>
+              <a:rPr lang="en-US" sz="1400" b="0" i="0" u="none" strike="noStrike" dirty="0">
+                <a:solidFill>
+                  <a:srgbClr val="E6EDF3"/>
+                </a:solidFill>
+                <a:effectLst/>
+              </a:rPr>
+              <a:t> </a:t>
+            </a:r>
+            <a:r>
+              <a:rPr lang="en-US" sz="1400" b="0" i="0" u="none" strike="noStrike" dirty="0" err="1">
+                <a:solidFill>
+                  <a:srgbClr val="E6EDF3"/>
+                </a:solidFill>
+                <a:effectLst/>
+              </a:rPr>
+              <a:t>vehículos</a:t>
+            </a:r>
+            <a:r>
+              <a:rPr lang="en-US" sz="1400" b="0" i="0" u="none" strike="noStrike" dirty="0">
+                <a:solidFill>
+                  <a:srgbClr val="E6EDF3"/>
+                </a:solidFill>
+                <a:effectLst/>
+              </a:rPr>
+              <a:t> sea &gt; 300km</a:t>
+            </a:r>
+          </a:p>
+          <a:p>
+            <a:pPr rtl="0" fontAlgn="base">
+              <a:spcBef>
+                <a:spcPts val="0"/>
+              </a:spcBef>
+              <a:spcAft>
+                <a:spcPts val="0"/>
+              </a:spcAft>
+            </a:pPr>
             <a:endParaRPr lang="en-US" sz="1400" b="0" i="0" u="none" strike="noStrike" dirty="0">
               <a:solidFill>
                 <a:srgbClr val="E6EDF3"/>
